--- a/presentation/Linear models.pptx
+++ b/presentation/Linear models.pptx
@@ -123,6 +123,11 @@
       </a:defRPr>
     </a:lvl9pPr>
   </p:defaultTextStyle>
+  <p:extLst>
+    <p:ext uri="{EFAFB233-063F-42B5-8137-9DF3F51BA10A}">
+      <p15:sldGuideLst xmlns:p15="http://schemas.microsoft.com/office/powerpoint/2012/main"/>
+    </p:ext>
+  </p:extLst>
 </p:presentation>
 </file>
 
@@ -275,7 +280,7 @@
           <a:p>
             <a:fld id="{BC3D59D3-777E-4A46-8690-E826BD44F95E}" type="datetimeFigureOut">
               <a:rPr lang="ru-RU" smtClean="0"/>
-              <a:t>21.02.2023</a:t>
+              <a:t>28.02.2023</a:t>
             </a:fld>
             <a:endParaRPr lang="ru-RU"/>
           </a:p>
@@ -475,7 +480,7 @@
           <a:p>
             <a:fld id="{BC3D59D3-777E-4A46-8690-E826BD44F95E}" type="datetimeFigureOut">
               <a:rPr lang="ru-RU" smtClean="0"/>
-              <a:t>21.02.2023</a:t>
+              <a:t>28.02.2023</a:t>
             </a:fld>
             <a:endParaRPr lang="ru-RU"/>
           </a:p>
@@ -685,7 +690,7 @@
           <a:p>
             <a:fld id="{BC3D59D3-777E-4A46-8690-E826BD44F95E}" type="datetimeFigureOut">
               <a:rPr lang="ru-RU" smtClean="0"/>
-              <a:t>21.02.2023</a:t>
+              <a:t>28.02.2023</a:t>
             </a:fld>
             <a:endParaRPr lang="ru-RU"/>
           </a:p>
@@ -885,7 +890,7 @@
           <a:p>
             <a:fld id="{BC3D59D3-777E-4A46-8690-E826BD44F95E}" type="datetimeFigureOut">
               <a:rPr lang="ru-RU" smtClean="0"/>
-              <a:t>21.02.2023</a:t>
+              <a:t>28.02.2023</a:t>
             </a:fld>
             <a:endParaRPr lang="ru-RU"/>
           </a:p>
@@ -1161,7 +1166,7 @@
           <a:p>
             <a:fld id="{BC3D59D3-777E-4A46-8690-E826BD44F95E}" type="datetimeFigureOut">
               <a:rPr lang="ru-RU" smtClean="0"/>
-              <a:t>21.02.2023</a:t>
+              <a:t>28.02.2023</a:t>
             </a:fld>
             <a:endParaRPr lang="ru-RU"/>
           </a:p>
@@ -1429,7 +1434,7 @@
           <a:p>
             <a:fld id="{BC3D59D3-777E-4A46-8690-E826BD44F95E}" type="datetimeFigureOut">
               <a:rPr lang="ru-RU" smtClean="0"/>
-              <a:t>21.02.2023</a:t>
+              <a:t>28.02.2023</a:t>
             </a:fld>
             <a:endParaRPr lang="ru-RU"/>
           </a:p>
@@ -1844,7 +1849,7 @@
           <a:p>
             <a:fld id="{BC3D59D3-777E-4A46-8690-E826BD44F95E}" type="datetimeFigureOut">
               <a:rPr lang="ru-RU" smtClean="0"/>
-              <a:t>21.02.2023</a:t>
+              <a:t>28.02.2023</a:t>
             </a:fld>
             <a:endParaRPr lang="ru-RU"/>
           </a:p>
@@ -1986,7 +1991,7 @@
           <a:p>
             <a:fld id="{BC3D59D3-777E-4A46-8690-E826BD44F95E}" type="datetimeFigureOut">
               <a:rPr lang="ru-RU" smtClean="0"/>
-              <a:t>21.02.2023</a:t>
+              <a:t>28.02.2023</a:t>
             </a:fld>
             <a:endParaRPr lang="ru-RU"/>
           </a:p>
@@ -2099,7 +2104,7 @@
           <a:p>
             <a:fld id="{BC3D59D3-777E-4A46-8690-E826BD44F95E}" type="datetimeFigureOut">
               <a:rPr lang="ru-RU" smtClean="0"/>
-              <a:t>21.02.2023</a:t>
+              <a:t>28.02.2023</a:t>
             </a:fld>
             <a:endParaRPr lang="ru-RU"/>
           </a:p>
@@ -2412,7 +2417,7 @@
           <a:p>
             <a:fld id="{BC3D59D3-777E-4A46-8690-E826BD44F95E}" type="datetimeFigureOut">
               <a:rPr lang="ru-RU" smtClean="0"/>
-              <a:t>21.02.2023</a:t>
+              <a:t>28.02.2023</a:t>
             </a:fld>
             <a:endParaRPr lang="ru-RU"/>
           </a:p>
@@ -2701,7 +2706,7 @@
           <a:p>
             <a:fld id="{BC3D59D3-777E-4A46-8690-E826BD44F95E}" type="datetimeFigureOut">
               <a:rPr lang="ru-RU" smtClean="0"/>
-              <a:t>21.02.2023</a:t>
+              <a:t>28.02.2023</a:t>
             </a:fld>
             <a:endParaRPr lang="ru-RU"/>
           </a:p>
@@ -2944,7 +2949,7 @@
           <a:p>
             <a:fld id="{BC3D59D3-777E-4A46-8690-E826BD44F95E}" type="datetimeFigureOut">
               <a:rPr lang="ru-RU" smtClean="0"/>
-              <a:t>21.02.2023</a:t>
+              <a:t>28.02.2023</a:t>
             </a:fld>
             <a:endParaRPr lang="ru-RU"/>
           </a:p>
@@ -4761,6 +4766,66 @@
           <a:xfrm>
             <a:off x="9968204" y="6373885"/>
             <a:ext cx="2121994" cy="387270"/>
+          </a:xfrm>
+          <a:prstGeom prst="rect">
+            <a:avLst/>
+          </a:prstGeom>
+        </p:spPr>
+      </p:pic>
+      <p:pic>
+        <p:nvPicPr>
+          <p:cNvPr id="6" name="Picture 5">
+            <a:extLst>
+              <a:ext uri="{FF2B5EF4-FFF2-40B4-BE49-F238E27FC236}">
+                <a16:creationId xmlns:a16="http://schemas.microsoft.com/office/drawing/2014/main" id="{C06FEA2A-739B-4F72-D249-09DE53D2A168}"/>
+              </a:ext>
+            </a:extLst>
+          </p:cNvPr>
+          <p:cNvPicPr>
+            <a:picLocks noChangeAspect="1"/>
+          </p:cNvPicPr>
+          <p:nvPr/>
+        </p:nvPicPr>
+        <p:blipFill>
+          <a:blip r:embed="rId3"/>
+          <a:stretch>
+            <a:fillRect/>
+          </a:stretch>
+        </p:blipFill>
+        <p:spPr>
+          <a:xfrm>
+            <a:off x="2464611" y="357074"/>
+            <a:ext cx="6965648" cy="3918177"/>
+          </a:xfrm>
+          <a:prstGeom prst="rect">
+            <a:avLst/>
+          </a:prstGeom>
+        </p:spPr>
+      </p:pic>
+      <p:pic>
+        <p:nvPicPr>
+          <p:cNvPr id="8" name="Picture 7">
+            <a:extLst>
+              <a:ext uri="{FF2B5EF4-FFF2-40B4-BE49-F238E27FC236}">
+                <a16:creationId xmlns:a16="http://schemas.microsoft.com/office/drawing/2014/main" id="{638BBD07-ECE9-3FA4-2D24-1C8E997AFDC1}"/>
+              </a:ext>
+            </a:extLst>
+          </p:cNvPr>
+          <p:cNvPicPr>
+            <a:picLocks noChangeAspect="1"/>
+          </p:cNvPicPr>
+          <p:nvPr/>
+        </p:nvPicPr>
+        <p:blipFill>
+          <a:blip r:embed="rId4"/>
+          <a:stretch>
+            <a:fillRect/>
+          </a:stretch>
+        </p:blipFill>
+        <p:spPr>
+          <a:xfrm>
+            <a:off x="-2638927" y="3526387"/>
+            <a:ext cx="6892520" cy="3877043"/>
           </a:xfrm>
           <a:prstGeom prst="rect">
             <a:avLst/>
